--- a/assets/document/4. 남부발전 시스템 SSO적용, 그룹웨어 MMS 기능 개발 구성도.pptx
+++ b/assets/document/4. 남부발전 시스템 SSO적용, 그룹웨어 MMS 기능 개발 구성도.pptx
@@ -253,7 +253,7 @@
           <a:p>
             <a:fld id="{3CF751FE-7217-4038-A7C5-5FD369EADD8B}" type="datetimeFigureOut">
               <a:rPr lang="ko-KR" altLang="en-US" smtClean="0"/>
-              <a:t>2016-09-26</a:t>
+              <a:t>2016-10-11</a:t>
             </a:fld>
             <a:endParaRPr lang="ko-KR" altLang="en-US"/>
           </a:p>
@@ -421,7 +421,7 @@
           <a:p>
             <a:fld id="{3CF751FE-7217-4038-A7C5-5FD369EADD8B}" type="datetimeFigureOut">
               <a:rPr lang="ko-KR" altLang="en-US" smtClean="0"/>
-              <a:t>2016-09-26</a:t>
+              <a:t>2016-10-11</a:t>
             </a:fld>
             <a:endParaRPr lang="ko-KR" altLang="en-US"/>
           </a:p>
@@ -599,7 +599,7 @@
           <a:p>
             <a:fld id="{3CF751FE-7217-4038-A7C5-5FD369EADD8B}" type="datetimeFigureOut">
               <a:rPr lang="ko-KR" altLang="en-US" smtClean="0"/>
-              <a:t>2016-09-26</a:t>
+              <a:t>2016-10-11</a:t>
             </a:fld>
             <a:endParaRPr lang="ko-KR" altLang="en-US"/>
           </a:p>
@@ -767,7 +767,7 @@
           <a:p>
             <a:fld id="{3CF751FE-7217-4038-A7C5-5FD369EADD8B}" type="datetimeFigureOut">
               <a:rPr lang="ko-KR" altLang="en-US" smtClean="0"/>
-              <a:t>2016-09-26</a:t>
+              <a:t>2016-10-11</a:t>
             </a:fld>
             <a:endParaRPr lang="ko-KR" altLang="en-US"/>
           </a:p>
@@ -1012,7 +1012,7 @@
           <a:p>
             <a:fld id="{3CF751FE-7217-4038-A7C5-5FD369EADD8B}" type="datetimeFigureOut">
               <a:rPr lang="ko-KR" altLang="en-US" smtClean="0"/>
-              <a:t>2016-09-26</a:t>
+              <a:t>2016-10-11</a:t>
             </a:fld>
             <a:endParaRPr lang="ko-KR" altLang="en-US"/>
           </a:p>
@@ -1241,7 +1241,7 @@
           <a:p>
             <a:fld id="{3CF751FE-7217-4038-A7C5-5FD369EADD8B}" type="datetimeFigureOut">
               <a:rPr lang="ko-KR" altLang="en-US" smtClean="0"/>
-              <a:t>2016-09-26</a:t>
+              <a:t>2016-10-11</a:t>
             </a:fld>
             <a:endParaRPr lang="ko-KR" altLang="en-US"/>
           </a:p>
@@ -1605,7 +1605,7 @@
           <a:p>
             <a:fld id="{3CF751FE-7217-4038-A7C5-5FD369EADD8B}" type="datetimeFigureOut">
               <a:rPr lang="ko-KR" altLang="en-US" smtClean="0"/>
-              <a:t>2016-09-26</a:t>
+              <a:t>2016-10-11</a:t>
             </a:fld>
             <a:endParaRPr lang="ko-KR" altLang="en-US"/>
           </a:p>
@@ -1722,7 +1722,7 @@
           <a:p>
             <a:fld id="{3CF751FE-7217-4038-A7C5-5FD369EADD8B}" type="datetimeFigureOut">
               <a:rPr lang="ko-KR" altLang="en-US" smtClean="0"/>
-              <a:t>2016-09-26</a:t>
+              <a:t>2016-10-11</a:t>
             </a:fld>
             <a:endParaRPr lang="ko-KR" altLang="en-US"/>
           </a:p>
@@ -1817,7 +1817,7 @@
           <a:p>
             <a:fld id="{3CF751FE-7217-4038-A7C5-5FD369EADD8B}" type="datetimeFigureOut">
               <a:rPr lang="ko-KR" altLang="en-US" smtClean="0"/>
-              <a:t>2016-09-26</a:t>
+              <a:t>2016-10-11</a:t>
             </a:fld>
             <a:endParaRPr lang="ko-KR" altLang="en-US"/>
           </a:p>
@@ -2092,7 +2092,7 @@
           <a:p>
             <a:fld id="{3CF751FE-7217-4038-A7C5-5FD369EADD8B}" type="datetimeFigureOut">
               <a:rPr lang="ko-KR" altLang="en-US" smtClean="0"/>
-              <a:t>2016-09-26</a:t>
+              <a:t>2016-10-11</a:t>
             </a:fld>
             <a:endParaRPr lang="ko-KR" altLang="en-US"/>
           </a:p>
@@ -2344,7 +2344,7 @@
           <a:p>
             <a:fld id="{3CF751FE-7217-4038-A7C5-5FD369EADD8B}" type="datetimeFigureOut">
               <a:rPr lang="ko-KR" altLang="en-US" smtClean="0"/>
-              <a:t>2016-09-26</a:t>
+              <a:t>2016-10-11</a:t>
             </a:fld>
             <a:endParaRPr lang="ko-KR" altLang="en-US"/>
           </a:p>
@@ -2555,7 +2555,7 @@
           <a:p>
             <a:fld id="{3CF751FE-7217-4038-A7C5-5FD369EADD8B}" type="datetimeFigureOut">
               <a:rPr lang="ko-KR" altLang="en-US" smtClean="0"/>
-              <a:t>2016-09-26</a:t>
+              <a:t>2016-10-11</a:t>
             </a:fld>
             <a:endParaRPr lang="ko-KR" altLang="en-US"/>
           </a:p>
@@ -3272,7 +3272,7 @@
         <p:spPr>
           <a:xfrm>
             <a:off x="2792854" y="2571867"/>
-            <a:ext cx="4389824" cy="1015663"/>
+            <a:ext cx="4389824" cy="461665"/>
           </a:xfrm>
           <a:prstGeom prst="rect">
             <a:avLst/>
@@ -3289,7 +3289,7 @@
               <a:buChar char="-"/>
             </a:pPr>
             <a:r>
-              <a:rPr lang="en-US" altLang="ko-KR" sz="1200" b="1" dirty="0">
+              <a:rPr lang="ko-KR" altLang="en-US" sz="1200" b="1" dirty="0">
                 <a:solidFill>
                   <a:schemeClr val="tx1">
                     <a:lumMod val="50000"/>
@@ -3297,10 +3297,10 @@
                   </a:schemeClr>
                 </a:solidFill>
               </a:rPr>
-              <a:t>A,B,C,D </a:t>
-            </a:r>
-            <a:r>
-              <a:rPr lang="ko-KR" altLang="en-US" sz="1200" b="1" dirty="0">
+              <a:t>시스템 로그인 시 </a:t>
+            </a:r>
+            <a:r>
+              <a:rPr lang="ko-KR" altLang="en-US" sz="1200" b="1" dirty="0" err="1">
                 <a:solidFill>
                   <a:schemeClr val="tx1">
                     <a:lumMod val="50000"/>
@@ -3308,10 +3308,10 @@
                   </a:schemeClr>
                 </a:solidFill>
               </a:rPr>
-              <a:t>어느 시스템에서 로그인을 하더라도 세션 값 유지</a:t>
-            </a:r>
-            <a:r>
-              <a:rPr lang="en-US" altLang="ko-KR" sz="1200" b="1" dirty="0">
+              <a:t>세션값</a:t>
+            </a:r>
+            <a:r>
+              <a:rPr lang="ko-KR" altLang="en-US" sz="1200" b="1" dirty="0">
                 <a:solidFill>
                   <a:schemeClr val="tx1">
                     <a:lumMod val="50000"/>
@@ -3319,6 +3319,39 @@
                   </a:schemeClr>
                 </a:solidFill>
               </a:rPr>
+              <a:t> 유지</a:t>
+            </a:r>
+            <a:r>
+              <a:rPr lang="en-US" altLang="ko-KR" sz="1200" b="1" dirty="0">
+                <a:solidFill>
+                  <a:schemeClr val="tx1">
+                    <a:lumMod val="50000"/>
+                    <a:lumOff val="50000"/>
+                  </a:schemeClr>
+                </a:solidFill>
+              </a:rPr>
+              <a:t>, Groupware </a:t>
+            </a:r>
+            <a:r>
+              <a:rPr lang="ko-KR" altLang="en-US" sz="1200" b="1" dirty="0">
+                <a:solidFill>
+                  <a:schemeClr val="tx1">
+                    <a:lumMod val="50000"/>
+                    <a:lumOff val="50000"/>
+                  </a:schemeClr>
+                </a:solidFill>
+              </a:rPr>
+              <a:t>자동로그인</a:t>
+            </a:r>
+            <a:r>
+              <a:rPr lang="en-US" altLang="ko-KR" sz="1200" b="1" dirty="0">
+                <a:solidFill>
+                  <a:schemeClr val="tx1">
+                    <a:lumMod val="50000"/>
+                    <a:lumOff val="50000"/>
+                  </a:schemeClr>
+                </a:solidFill>
+              </a:rPr>
               <a:t>.</a:t>
             </a:r>
           </a:p>
@@ -3328,7 +3361,7 @@
               <a:buChar char="-"/>
             </a:pPr>
             <a:r>
-              <a:rPr lang="en-US" altLang="ko-KR" sz="1200" b="1" dirty="0">
+              <a:rPr lang="ko-KR" altLang="en-US" sz="1200" b="1" dirty="0">
                 <a:solidFill>
                   <a:schemeClr val="tx1">
                     <a:lumMod val="50000"/>
@@ -3336,10 +3369,10 @@
                   </a:schemeClr>
                 </a:solidFill>
               </a:rPr>
-              <a:t>Groupware </a:t>
-            </a:r>
-            <a:r>
-              <a:rPr lang="ko-KR" altLang="en-US" sz="1200" b="1" dirty="0">
+              <a:t>라온 시 </a:t>
+            </a:r>
+            <a:r>
+              <a:rPr lang="ko-KR" altLang="en-US" sz="1200" b="1" dirty="0" err="1">
                 <a:solidFill>
                   <a:schemeClr val="tx1">
                     <a:lumMod val="50000"/>
@@ -3347,10 +3380,10 @@
                   </a:schemeClr>
                 </a:solidFill>
               </a:rPr>
-              <a:t>자동로그인</a:t>
-            </a:r>
-            <a:r>
-              <a:rPr lang="en-US" altLang="ko-KR" sz="1200" b="1" dirty="0">
+              <a:t>큐어</a:t>
+            </a:r>
+            <a:r>
+              <a:rPr lang="ko-KR" altLang="en-US" sz="1200" b="1" dirty="0">
                 <a:solidFill>
                   <a:schemeClr val="tx1">
                     <a:lumMod val="50000"/>
@@ -3358,16 +3391,10 @@
                   </a:schemeClr>
                 </a:solidFill>
               </a:rPr>
-              <a:t>.</a:t>
-            </a:r>
-          </a:p>
-          <a:p>
-            <a:pPr marL="171450" indent="-171450">
-              <a:buFontTx/>
-              <a:buChar char="-"/>
-            </a:pPr>
-            <a:r>
-              <a:rPr lang="ko-KR" altLang="en-US" sz="1200" b="1" dirty="0">
+              <a:t> </a:t>
+            </a:r>
+            <a:r>
+              <a:rPr lang="en-US" altLang="ko-KR" sz="1200" b="1" dirty="0">
                 <a:solidFill>
                   <a:schemeClr val="tx1">
                     <a:lumMod val="50000"/>
@@ -3375,10 +3402,10 @@
                   </a:schemeClr>
                 </a:solidFill>
               </a:rPr>
-              <a:t>라온 시 </a:t>
-            </a:r>
-            <a:r>
-              <a:rPr lang="ko-KR" altLang="en-US" sz="1200" b="1" dirty="0" err="1">
+              <a:t>SSO </a:t>
+            </a:r>
+            <a:r>
+              <a:rPr lang="ko-KR" altLang="en-US" sz="1200" b="1" dirty="0">
                 <a:solidFill>
                   <a:schemeClr val="tx1">
                     <a:lumMod val="50000"/>
@@ -3386,10 +3413,10 @@
                   </a:schemeClr>
                 </a:solidFill>
               </a:rPr>
-              <a:t>큐어</a:t>
-            </a:r>
-            <a:r>
-              <a:rPr lang="ko-KR" altLang="en-US" sz="1200" b="1" dirty="0">
+              <a:t>인증 모듈 설치</a:t>
+            </a:r>
+            <a:r>
+              <a:rPr lang="en-US" altLang="ko-KR" sz="1200" b="1" dirty="0">
                 <a:solidFill>
                   <a:schemeClr val="tx1">
                     <a:lumMod val="50000"/>
@@ -3397,10 +3424,10 @@
                   </a:schemeClr>
                 </a:solidFill>
               </a:rPr>
-              <a:t> </a:t>
-            </a:r>
-            <a:r>
-              <a:rPr lang="en-US" altLang="ko-KR" sz="1200" b="1" dirty="0">
+              <a:t>. (</a:t>
+            </a:r>
+            <a:r>
+              <a:rPr lang="ko-KR" altLang="en-US" sz="1200" b="1" dirty="0">
                 <a:solidFill>
                   <a:schemeClr val="tx1">
                     <a:lumMod val="50000"/>
@@ -3408,10 +3435,10 @@
                   </a:schemeClr>
                 </a:solidFill>
               </a:rPr>
-              <a:t>SSO </a:t>
-            </a:r>
-            <a:r>
-              <a:rPr lang="ko-KR" altLang="en-US" sz="1200" b="1" dirty="0">
+              <a:t>토큰인증방식</a:t>
+            </a:r>
+            <a:r>
+              <a:rPr lang="en-US" altLang="ko-KR" sz="1200" b="1" dirty="0">
                 <a:solidFill>
                   <a:schemeClr val="tx1">
                     <a:lumMod val="50000"/>
@@ -3419,107 +3446,7 @@
                   </a:schemeClr>
                 </a:solidFill>
               </a:rPr>
-              <a:t>인증 모듈 설치</a:t>
-            </a:r>
-            <a:r>
-              <a:rPr lang="en-US" altLang="ko-KR" sz="1200" b="1" dirty="0">
-                <a:solidFill>
-                  <a:schemeClr val="tx1">
-                    <a:lumMod val="50000"/>
-                    <a:lumOff val="50000"/>
-                  </a:schemeClr>
-                </a:solidFill>
-              </a:rPr>
-              <a:t>.</a:t>
-            </a:r>
-          </a:p>
-          <a:p>
-            <a:pPr marL="171450" indent="-171450">
-              <a:buFontTx/>
-              <a:buChar char="-"/>
-            </a:pPr>
-            <a:r>
-              <a:rPr lang="en-US" altLang="ko-KR" sz="1200" b="1" dirty="0">
-                <a:solidFill>
-                  <a:schemeClr val="tx1">
-                    <a:lumMod val="50000"/>
-                    <a:lumOff val="50000"/>
-                  </a:schemeClr>
-                </a:solidFill>
-              </a:rPr>
-              <a:t>1</a:t>
-            </a:r>
-            <a:r>
-              <a:rPr lang="ko-KR" altLang="en-US" sz="1200" b="1" dirty="0">
-                <a:solidFill>
-                  <a:schemeClr val="tx1">
-                    <a:lumMod val="50000"/>
-                    <a:lumOff val="50000"/>
-                  </a:schemeClr>
-                </a:solidFill>
-              </a:rPr>
-              <a:t>회성의 토큰 인증방식 적용</a:t>
-            </a:r>
-            <a:r>
-              <a:rPr lang="en-US" altLang="ko-KR" sz="1200" b="1" dirty="0">
-                <a:solidFill>
-                  <a:schemeClr val="tx1">
-                    <a:lumMod val="50000"/>
-                    <a:lumOff val="50000"/>
-                  </a:schemeClr>
-                </a:solidFill>
-              </a:rPr>
-              <a:t>. </a:t>
-            </a:r>
-          </a:p>
-          <a:p>
-            <a:pPr marL="171450" indent="-171450">
-              <a:buFontTx/>
-              <a:buChar char="-"/>
-            </a:pPr>
-            <a:r>
-              <a:rPr lang="ko-KR" altLang="en-US" sz="1200" b="1" dirty="0">
-                <a:solidFill>
-                  <a:schemeClr val="tx1">
-                    <a:lumMod val="50000"/>
-                    <a:lumOff val="50000"/>
-                  </a:schemeClr>
-                </a:solidFill>
-              </a:rPr>
-              <a:t>인증 시 </a:t>
-            </a:r>
-            <a:r>
-              <a:rPr lang="en-US" altLang="ko-KR" sz="1200" b="1" dirty="0">
-                <a:solidFill>
-                  <a:schemeClr val="tx1">
-                    <a:lumMod val="50000"/>
-                    <a:lumOff val="50000"/>
-                  </a:schemeClr>
-                </a:solidFill>
-              </a:rPr>
-              <a:t>Groupware </a:t>
-            </a:r>
-            <a:r>
-              <a:rPr lang="ko-KR" altLang="en-US" sz="1200" b="1" dirty="0">
-                <a:solidFill>
-                  <a:schemeClr val="tx1">
-                    <a:lumMod val="50000"/>
-                    <a:lumOff val="50000"/>
-                  </a:schemeClr>
-                </a:solidFill>
-              </a:rPr>
-              <a:t>로그인 자동 인증 되도록 적용</a:t>
-            </a:r>
-            <a:r>
-              <a:rPr lang="en-US" altLang="ko-KR" sz="1200" b="1" dirty="0">
-                <a:solidFill>
-                  <a:schemeClr val="tx1">
-                    <a:lumMod val="50000"/>
-                    <a:lumOff val="50000"/>
-                  </a:schemeClr>
-                </a:solidFill>
-              </a:rPr>
-              <a:t>.</a:t>
+              <a:t>)</a:t>
             </a:r>
           </a:p>
         </p:txBody>
